--- a/04-initial-configuration-scans-win.pptx
+++ b/04-initial-configuration-scans-win.pptx
@@ -294,7 +294,7 @@
               <a:pPr>
                 <a:defRPr/>
               </a:pPr>
-              <a:t>2016-01-27</a:t>
+              <a:t>2016-01-29</a:t>
             </a:fld>
             <a:endParaRPr lang="en-US" dirty="0"/>
           </a:p>
@@ -477,7 +477,7 @@
               <a:pPr>
                 <a:defRPr/>
               </a:pPr>
-              <a:t>2016-01-27</a:t>
+              <a:t>2016-01-29</a:t>
             </a:fld>
             <a:endParaRPr lang="en-US" dirty="0"/>
           </a:p>
@@ -1086,7 +1086,20 @@
             </a:r>
             <a:r>
               <a:rPr lang="en-US" b="0" baseline="0" dirty="0" smtClean="0"/>
-              <a:t> please notify the instructor.</a:t>
+              <a:t> please notify the instructor</a:t>
+            </a:r>
+            <a:r>
+              <a:rPr lang="en-US" b="0" baseline="0" dirty="0" smtClean="0"/>
+              <a:t>.</a:t>
+            </a:r>
+          </a:p>
+          <a:p>
+            <a:endParaRPr lang="en-US" b="0" baseline="0" dirty="0" smtClean="0"/>
+          </a:p>
+          <a:p>
+            <a:r>
+              <a:rPr lang="en-US" b="0" baseline="0" dirty="0" smtClean="0"/>
+              <a:t>Instructor Note: In at least Compliance Server v 0.9.11, I have seen where a Connectivity test will fail, but then a scan will work. After the scan is successful, the Connectivity test will start working. Almost like the Windows target was sleepy. Usually happens after the windows node sits idle overnight. </a:t>
             </a:r>
             <a:endParaRPr lang="en-US" dirty="0"/>
           </a:p>
@@ -3739,14 +3752,14 @@
           </a:ln>
           <a:extLst>
             <a:ext uri="{909E8E84-426E-40dd-AFC4-6F175D3DCCD1}">
-              <a14:hiddenFill xmlns:a14="http://schemas.microsoft.com/office/drawing/2010/main" xmlns="">
+              <a14:hiddenFill xmlns="" xmlns:a14="http://schemas.microsoft.com/office/drawing/2010/main">
                 <a:solidFill>
                   <a:srgbClr val="FFFFFF"/>
                 </a:solidFill>
               </a14:hiddenFill>
             </a:ext>
             <a:ext uri="{91240B29-F687-4f45-9708-019B960494DF}">
-              <a14:hiddenLine xmlns:a14="http://schemas.microsoft.com/office/drawing/2010/main" xmlns="" w="9525">
+              <a14:hiddenLine xmlns="" xmlns:a14="http://schemas.microsoft.com/office/drawing/2010/main" w="9525">
                 <a:solidFill>
                   <a:srgbClr val="000000"/>
                 </a:solidFill>
@@ -3894,14 +3907,14 @@
           </a:ln>
           <a:extLst>
             <a:ext uri="{909E8E84-426E-40dd-AFC4-6F175D3DCCD1}">
-              <a14:hiddenFill xmlns:a14="http://schemas.microsoft.com/office/drawing/2010/main" xmlns="">
+              <a14:hiddenFill xmlns="" xmlns:a14="http://schemas.microsoft.com/office/drawing/2010/main">
                 <a:solidFill>
                   <a:srgbClr val="FFFFFF"/>
                 </a:solidFill>
               </a14:hiddenFill>
             </a:ext>
             <a:ext uri="{91240B29-F687-4f45-9708-019B960494DF}">
-              <a14:hiddenLine xmlns:a14="http://schemas.microsoft.com/office/drawing/2010/main" xmlns="" w="9525">
+              <a14:hiddenLine xmlns="" xmlns:a14="http://schemas.microsoft.com/office/drawing/2010/main" w="9525">
                 <a:solidFill>
                   <a:srgbClr val="000000"/>
                 </a:solidFill>
@@ -4392,14 +4405,14 @@
           </a:ln>
           <a:extLst>
             <a:ext uri="{909E8E84-426E-40dd-AFC4-6F175D3DCCD1}">
-              <a14:hiddenFill xmlns:a14="http://schemas.microsoft.com/office/drawing/2010/main" xmlns="">
+              <a14:hiddenFill xmlns="" xmlns:a14="http://schemas.microsoft.com/office/drawing/2010/main">
                 <a:solidFill>
                   <a:srgbClr val="FFFFFF"/>
                 </a:solidFill>
               </a14:hiddenFill>
             </a:ext>
             <a:ext uri="{91240B29-F687-4f45-9708-019B960494DF}">
-              <a14:hiddenLine xmlns:a14="http://schemas.microsoft.com/office/drawing/2010/main" xmlns="" w="9525">
+              <a14:hiddenLine xmlns="" xmlns:a14="http://schemas.microsoft.com/office/drawing/2010/main" w="9525">
                 <a:solidFill>
                   <a:srgbClr val="000000"/>
                 </a:solidFill>
@@ -4638,14 +4651,14 @@
           </a:ln>
           <a:extLst>
             <a:ext uri="{909E8E84-426E-40dd-AFC4-6F175D3DCCD1}">
-              <a14:hiddenFill xmlns:a14="http://schemas.microsoft.com/office/drawing/2010/main" xmlns="">
+              <a14:hiddenFill xmlns="" xmlns:a14="http://schemas.microsoft.com/office/drawing/2010/main">
                 <a:solidFill>
                   <a:srgbClr val="FFFFFF"/>
                 </a:solidFill>
               </a14:hiddenFill>
             </a:ext>
             <a:ext uri="{91240B29-F687-4f45-9708-019B960494DF}">
-              <a14:hiddenLine xmlns:a14="http://schemas.microsoft.com/office/drawing/2010/main" xmlns="" w="9525">
+              <a14:hiddenLine xmlns="" xmlns:a14="http://schemas.microsoft.com/office/drawing/2010/main" w="9525">
                 <a:solidFill>
                   <a:srgbClr val="000000"/>
                 </a:solidFill>
@@ -6573,14 +6586,14 @@
           </a:ln>
           <a:extLst>
             <a:ext uri="{909E8E84-426E-40dd-AFC4-6F175D3DCCD1}">
-              <a14:hiddenFill xmlns:a14="http://schemas.microsoft.com/office/drawing/2010/main" xmlns="">
+              <a14:hiddenFill xmlns="" xmlns:a14="http://schemas.microsoft.com/office/drawing/2010/main">
                 <a:solidFill>
                   <a:srgbClr val="FFFFFF"/>
                 </a:solidFill>
               </a14:hiddenFill>
             </a:ext>
             <a:ext uri="{91240B29-F687-4f45-9708-019B960494DF}">
-              <a14:hiddenLine xmlns:a14="http://schemas.microsoft.com/office/drawing/2010/main" xmlns="" w="9525">
+              <a14:hiddenLine xmlns="" xmlns:a14="http://schemas.microsoft.com/office/drawing/2010/main" w="9525">
                 <a:solidFill>
                   <a:srgbClr val="000000"/>
                 </a:solidFill>
@@ -8114,14 +8127,14 @@
           </a:ln>
           <a:extLst>
             <a:ext uri="{909E8E84-426E-40dd-AFC4-6F175D3DCCD1}">
-              <a14:hiddenFill xmlns:a14="http://schemas.microsoft.com/office/drawing/2010/main" xmlns="">
+              <a14:hiddenFill xmlns="" xmlns:a14="http://schemas.microsoft.com/office/drawing/2010/main">
                 <a:solidFill>
                   <a:srgbClr val="FFFFFF"/>
                 </a:solidFill>
               </a14:hiddenFill>
             </a:ext>
             <a:ext uri="{91240B29-F687-4f45-9708-019B960494DF}">
-              <a14:hiddenLine xmlns:a14="http://schemas.microsoft.com/office/drawing/2010/main" xmlns="" w="9525">
+              <a14:hiddenLine xmlns="" xmlns:a14="http://schemas.microsoft.com/office/drawing/2010/main" w="9525">
                 <a:solidFill>
                   <a:srgbClr val="000000"/>
                 </a:solidFill>
@@ -8679,14 +8692,14 @@
           </a:ln>
           <a:extLst>
             <a:ext uri="{909E8E84-426E-40dd-AFC4-6F175D3DCCD1}">
-              <a14:hiddenFill xmlns:a14="http://schemas.microsoft.com/office/drawing/2010/main" xmlns="">
+              <a14:hiddenFill xmlns="" xmlns:a14="http://schemas.microsoft.com/office/drawing/2010/main">
                 <a:solidFill>
                   <a:srgbClr val="FFFFFF"/>
                 </a:solidFill>
               </a14:hiddenFill>
             </a:ext>
             <a:ext uri="{91240B29-F687-4f45-9708-019B960494DF}">
-              <a14:hiddenLine xmlns:a14="http://schemas.microsoft.com/office/drawing/2010/main" xmlns="" w="9525">
+              <a14:hiddenLine xmlns="" xmlns:a14="http://schemas.microsoft.com/office/drawing/2010/main" w="9525">
                 <a:solidFill>
                   <a:srgbClr val="000000"/>
                 </a:solidFill>
@@ -9253,14 +9266,14 @@
           </a:ln>
           <a:extLst>
             <a:ext uri="{909E8E84-426E-40dd-AFC4-6F175D3DCCD1}">
-              <a14:hiddenFill xmlns:a14="http://schemas.microsoft.com/office/drawing/2010/main" xmlns="">
+              <a14:hiddenFill xmlns="" xmlns:a14="http://schemas.microsoft.com/office/drawing/2010/main">
                 <a:solidFill>
                   <a:srgbClr val="FFFFFF"/>
                 </a:solidFill>
               </a14:hiddenFill>
             </a:ext>
             <a:ext uri="{91240B29-F687-4f45-9708-019B960494DF}">
-              <a14:hiddenLine xmlns:a14="http://schemas.microsoft.com/office/drawing/2010/main" xmlns="" w="9525">
+              <a14:hiddenLine xmlns="" xmlns:a14="http://schemas.microsoft.com/office/drawing/2010/main" w="9525">
                 <a:solidFill>
                   <a:srgbClr val="000000"/>
                 </a:solidFill>
@@ -10200,14 +10213,14 @@
           </a:ln>
           <a:extLst>
             <a:ext uri="{909E8E84-426E-40dd-AFC4-6F175D3DCCD1}">
-              <a14:hiddenFill xmlns:a14="http://schemas.microsoft.com/office/drawing/2010/main" xmlns="">
+              <a14:hiddenFill xmlns="" xmlns:a14="http://schemas.microsoft.com/office/drawing/2010/main">
                 <a:solidFill>
                   <a:srgbClr val="FFFFFF"/>
                 </a:solidFill>
               </a14:hiddenFill>
             </a:ext>
             <a:ext uri="{91240B29-F687-4f45-9708-019B960494DF}">
-              <a14:hiddenLine xmlns:a14="http://schemas.microsoft.com/office/drawing/2010/main" xmlns="" w="9525">
+              <a14:hiddenLine xmlns="" xmlns:a14="http://schemas.microsoft.com/office/drawing/2010/main" w="9525">
                 <a:solidFill>
                   <a:srgbClr val="000000"/>
                 </a:solidFill>
@@ -10960,14 +10973,14 @@
           </a:ln>
           <a:extLst>
             <a:ext uri="{909E8E84-426E-40dd-AFC4-6F175D3DCCD1}">
-              <a14:hiddenFill xmlns:a14="http://schemas.microsoft.com/office/drawing/2010/main" xmlns="">
+              <a14:hiddenFill xmlns="" xmlns:a14="http://schemas.microsoft.com/office/drawing/2010/main">
                 <a:solidFill>
                   <a:srgbClr val="FFFFFF"/>
                 </a:solidFill>
               </a14:hiddenFill>
             </a:ext>
             <a:ext uri="{91240B29-F687-4f45-9708-019B960494DF}">
-              <a14:hiddenLine xmlns:a14="http://schemas.microsoft.com/office/drawing/2010/main" xmlns="" w="9525">
+              <a14:hiddenLine xmlns="" xmlns:a14="http://schemas.microsoft.com/office/drawing/2010/main" w="9525">
                 <a:solidFill>
                   <a:srgbClr val="000000"/>
                 </a:solidFill>
@@ -12900,23 +12913,7 @@
           <a:p>
             <a:r>
               <a:rPr lang="en-US" dirty="0" smtClean="0"/>
-              <a:t>Notice how in the upper Summary section in this example, </a:t>
-            </a:r>
-            <a:r>
-              <a:rPr lang="en-US" dirty="0" smtClean="0"/>
-              <a:t>11 </a:t>
-            </a:r>
-            <a:r>
-              <a:rPr lang="en-US" dirty="0" smtClean="0"/>
-              <a:t>tests were compliant and </a:t>
-            </a:r>
-            <a:r>
-              <a:rPr lang="en-US" dirty="0" smtClean="0"/>
-              <a:t>14 </a:t>
-            </a:r>
-            <a:r>
-              <a:rPr lang="en-US" dirty="0" smtClean="0"/>
-              <a:t>tests show critical issues with ssh.</a:t>
+              <a:t>Notice how in the upper Summary section in this example, 11 tests were compliant and 14 tests show critical issues with ssh.</a:t>
             </a:r>
           </a:p>
           <a:p>
@@ -13081,11 +13078,7 @@
           <a:p>
             <a:r>
               <a:rPr lang="en-US" dirty="0" smtClean="0"/>
-              <a:t>The bottom half of the Compliance Report shown here has a table of details of </a:t>
-            </a:r>
-            <a:r>
-              <a:rPr lang="en-US" dirty="0" smtClean="0"/>
-              <a:t>the scan, similar to what you saw in the Linux example.</a:t>
+              <a:t>The bottom half of the Compliance Report shown here has a table of details of the scan, similar to what you saw in the Linux example.</a:t>
             </a:r>
           </a:p>
           <a:p>
@@ -13094,11 +13087,7 @@
           <a:p>
             <a:r>
               <a:rPr lang="en-US" dirty="0" smtClean="0"/>
-              <a:t>Notice how one of the critical issues </a:t>
-            </a:r>
-            <a:r>
-              <a:rPr lang="en-US" dirty="0" smtClean="0"/>
-              <a:t>regards Windows </a:t>
+              <a:t>Notice how one of the critical issues regards Windows </a:t>
             </a:r>
             <a:r>
               <a:rPr lang="en-US" dirty="0"/>
@@ -13352,11 +13341,7 @@
             </a:pPr>
             <a:r>
               <a:rPr lang="en-US" dirty="0" smtClean="0"/>
-              <a:t>Click </a:t>
-            </a:r>
-            <a:r>
-              <a:rPr lang="en-US" dirty="0" smtClean="0"/>
-              <a:t>the </a:t>
+              <a:t>Click the </a:t>
             </a:r>
             <a:r>
               <a:rPr lang="en-US" b="1" dirty="0" smtClean="0"/>
@@ -13400,11 +13385,7 @@
             </a:r>
             <a:r>
               <a:rPr lang="en-US" dirty="0" smtClean="0"/>
-              <a:t> </a:t>
-            </a:r>
-            <a:r>
-              <a:rPr lang="en-US" dirty="0" smtClean="0"/>
-              <a:t>profile.</a:t>
+              <a:t> profile.</a:t>
             </a:r>
             <a:endParaRPr lang="en-US" dirty="0"/>
           </a:p>
@@ -13705,11 +13686,7 @@
           <a:p>
             <a:r>
               <a:rPr lang="en-US" dirty="0" smtClean="0"/>
-              <a:t>You can see in the bottom image where the </a:t>
-            </a:r>
-            <a:r>
-              <a:rPr lang="en-US" dirty="0" smtClean="0"/>
-              <a:t>Account lockout</a:t>
+              <a:t>You can see in the bottom image where the Account lockout</a:t>
             </a:r>
             <a:r>
               <a:rPr lang="en-US" dirty="0"/>
@@ -17133,15 +17110,6 @@
 </file>
 
 <file path=customXml/item1.xml><?xml version="1.0" encoding="utf-8"?>
-<?mso-contentType ?>
-<FormTemplates xmlns="http://schemas.microsoft.com/sharepoint/v3/contenttype/forms">
-  <Display>DocumentLibraryForm</Display>
-  <Edit>DocumentLibraryForm</Edit>
-  <New>DocumentLibraryForm</New>
-</FormTemplates>
-</file>
-
-<file path=customXml/item2.xml><?xml version="1.0" encoding="utf-8"?>
 <ct:contentTypeSchema xmlns:ct="http://schemas.microsoft.com/office/2006/metadata/contentType" xmlns:ma="http://schemas.microsoft.com/office/2006/metadata/properties/metaAttributes" ct:_="" ma:_="" ma:contentTypeName="Document" ma:contentTypeID="0x0101000812F700BE7F874999720E88173FE491" ma:contentTypeVersion="0" ma:contentTypeDescription="Create a new document." ma:contentTypeScope="" ma:versionID="3f79f408e2ca720b7aba6e0e32464d0c">
   <xsd:schema xmlns:xsd="http://www.w3.org/2001/XMLSchema" xmlns:xs="http://www.w3.org/2001/XMLSchema" xmlns:p="http://schemas.microsoft.com/office/2006/metadata/properties" xmlns:ns2="7bb5d761-a2ea-4873-95f7-7a6658fb3ef0" targetNamespace="http://schemas.microsoft.com/office/2006/metadata/properties" ma:root="true" ma:fieldsID="1e062cd38ba31e406bfc4340fbc7f87a" ns2:_="">
     <xsd:import namespace="7bb5d761-a2ea-4873-95f7-7a6658fb3ef0"/>
@@ -17286,19 +17254,16 @@
 </ct:contentTypeSchema>
 </file>
 
-<file path=customXml/item3.xml><?xml version="1.0" encoding="utf-8"?>
-<p:properties xmlns:p="http://schemas.microsoft.com/office/2006/metadata/properties" xmlns:xsi="http://www.w3.org/2001/XMLSchema-instance" xmlns:pc="http://schemas.microsoft.com/office/infopath/2007/PartnerControls">
-  <documentManagement>
-    <_dlc_DocId xmlns="7bb5d761-a2ea-4873-95f7-7a6658fb3ef0">M4CWTKMW727E-592-73</_dlc_DocId>
-    <_dlc_DocIdUrl xmlns="7bb5d761-a2ea-4873-95f7-7a6658fb3ef0">
-      <Url>https://kms.vci.local/marketing/team/_layouts/DocIdRedir.aspx?ID=M4CWTKMW727E-592-73</Url>
-      <Description>M4CWTKMW727E-592-73</Description>
-    </_dlc_DocIdUrl>
-  </documentManagement>
-</p:properties>
+<file path=customXml/item2.xml><?xml version="1.0" encoding="utf-8"?>
+<?mso-contentType ?>
+<FormTemplates xmlns="http://schemas.microsoft.com/sharepoint/v3/contenttype/forms">
+  <Display>DocumentLibraryForm</Display>
+  <Edit>DocumentLibraryForm</Edit>
+  <New>DocumentLibraryForm</New>
+</FormTemplates>
 </file>
 
-<file path=customXml/item4.xml><?xml version="1.0" encoding="utf-8"?>
+<file path=customXml/item3.xml><?xml version="1.0" encoding="utf-8"?>
 <?mso-contentType ?>
 <spe:Receivers xmlns:spe="http://schemas.microsoft.com/sharepoint/events">
   <Receiver>
@@ -17344,15 +17309,19 @@
 </spe:Receivers>
 </file>
 
-<file path=customXml/itemProps1.xml><?xml version="1.0" encoding="utf-8"?>
-<ds:datastoreItem xmlns:ds="http://schemas.openxmlformats.org/officeDocument/2006/customXml" ds:itemID="{5CDEB364-43EC-4510-9881-539C2A3FCE9E}">
-  <ds:schemaRefs>
-    <ds:schemaRef ds:uri="http://schemas.microsoft.com/sharepoint/v3/contenttype/forms"/>
-  </ds:schemaRefs>
-</ds:datastoreItem>
+<file path=customXml/item4.xml><?xml version="1.0" encoding="utf-8"?>
+<p:properties xmlns:p="http://schemas.microsoft.com/office/2006/metadata/properties" xmlns:xsi="http://www.w3.org/2001/XMLSchema-instance" xmlns:pc="http://schemas.microsoft.com/office/infopath/2007/PartnerControls">
+  <documentManagement>
+    <_dlc_DocId xmlns="7bb5d761-a2ea-4873-95f7-7a6658fb3ef0">M4CWTKMW727E-592-73</_dlc_DocId>
+    <_dlc_DocIdUrl xmlns="7bb5d761-a2ea-4873-95f7-7a6658fb3ef0">
+      <Url>https://kms.vci.local/marketing/team/_layouts/DocIdRedir.aspx?ID=M4CWTKMW727E-592-73</Url>
+      <Description>M4CWTKMW727E-592-73</Description>
+    </_dlc_DocIdUrl>
+  </documentManagement>
+</p:properties>
 </file>
 
-<file path=customXml/itemProps2.xml><?xml version="1.0" encoding="utf-8"?>
+<file path=customXml/itemProps1.xml><?xml version="1.0" encoding="utf-8"?>
 <ds:datastoreItem xmlns:ds="http://schemas.openxmlformats.org/officeDocument/2006/customXml" ds:itemID="{164479E5-0B02-49AC-B79E-EC1D6164DDD3}">
   <ds:schemaRefs>
     <ds:schemaRef ds:uri="http://schemas.microsoft.com/office/2006/metadata/contentType"/>
@@ -17370,7 +17339,23 @@
 </ds:datastoreItem>
 </file>
 
+<file path=customXml/itemProps2.xml><?xml version="1.0" encoding="utf-8"?>
+<ds:datastoreItem xmlns:ds="http://schemas.openxmlformats.org/officeDocument/2006/customXml" ds:itemID="{5CDEB364-43EC-4510-9881-539C2A3FCE9E}">
+  <ds:schemaRefs>
+    <ds:schemaRef ds:uri="http://schemas.microsoft.com/sharepoint/v3/contenttype/forms"/>
+  </ds:schemaRefs>
+</ds:datastoreItem>
+</file>
+
 <file path=customXml/itemProps3.xml><?xml version="1.0" encoding="utf-8"?>
+<ds:datastoreItem xmlns:ds="http://schemas.openxmlformats.org/officeDocument/2006/customXml" ds:itemID="{B13EBC30-FE27-4C6A-B723-23FC2188F7DC}">
+  <ds:schemaRefs>
+    <ds:schemaRef ds:uri="http://schemas.microsoft.com/sharepoint/events"/>
+  </ds:schemaRefs>
+</ds:datastoreItem>
+</file>
+
+<file path=customXml/itemProps4.xml><?xml version="1.0" encoding="utf-8"?>
 <ds:datastoreItem xmlns:ds="http://schemas.openxmlformats.org/officeDocument/2006/customXml" ds:itemID="{6921749B-AEB7-461B-845F-603CABD25259}">
   <ds:schemaRefs>
     <ds:schemaRef ds:uri="http://purl.org/dc/dcmitype/"/>
@@ -17384,12 +17369,4 @@
     <ds:schemaRef ds:uri="http://www.w3.org/XML/1998/namespace"/>
   </ds:schemaRefs>
 </ds:datastoreItem>
-</file>
-
-<file path=customXml/itemProps4.xml><?xml version="1.0" encoding="utf-8"?>
-<ds:datastoreItem xmlns:ds="http://schemas.openxmlformats.org/officeDocument/2006/customXml" ds:itemID="{B13EBC30-FE27-4C6A-B723-23FC2188F7DC}">
-  <ds:schemaRefs>
-    <ds:schemaRef ds:uri="http://schemas.microsoft.com/sharepoint/events"/>
-  </ds:schemaRefs>
-</ds:datastoreItem>
 </file>
--- a/04-initial-configuration-scans-win.pptx
+++ b/04-initial-configuration-scans-win.pptx
@@ -294,7 +294,7 @@
               <a:pPr>
                 <a:defRPr/>
               </a:pPr>
-              <a:t>2016-01-29</a:t>
+              <a:t>2016-02-02</a:t>
             </a:fld>
             <a:endParaRPr lang="en-US" dirty="0"/>
           </a:p>
@@ -477,7 +477,7 @@
               <a:pPr>
                 <a:defRPr/>
               </a:pPr>
-              <a:t>2016-01-29</a:t>
+              <a:t>2016-02-02</a:t>
             </a:fld>
             <a:endParaRPr lang="en-US" dirty="0"/>
           </a:p>
@@ -1086,11 +1086,7 @@
             </a:r>
             <a:r>
               <a:rPr lang="en-US" b="0" baseline="0" dirty="0" smtClean="0"/>
-              <a:t> please notify the instructor</a:t>
-            </a:r>
-            <a:r>
-              <a:rPr lang="en-US" b="0" baseline="0" dirty="0" smtClean="0"/>
-              <a:t>.</a:t>
+              <a:t> please notify the instructor.</a:t>
             </a:r>
           </a:p>
           <a:p>
@@ -1843,7 +1839,36 @@
             </a:r>
             <a:r>
               <a:rPr lang="en-US" baseline="0" dirty="0" smtClean="0"/>
-              <a:t> should stop as needed to explain what this code means.</a:t>
+              <a:t> should stop as needed to explain what this code means</a:t>
+            </a:r>
+            <a:r>
+              <a:rPr lang="en-US" baseline="0" dirty="0" smtClean="0"/>
+              <a:t>.</a:t>
+            </a:r>
+          </a:p>
+          <a:p>
+            <a:endParaRPr lang="en-US" baseline="0" dirty="0" smtClean="0"/>
+          </a:p>
+          <a:p>
+            <a:r>
+              <a:rPr lang="en-US" baseline="0" dirty="0" err="1" smtClean="0"/>
+              <a:t>tbd</a:t>
+            </a:r>
+            <a:r>
+              <a:rPr lang="en-US" baseline="0" dirty="0" smtClean="0"/>
+              <a:t>: No </a:t>
+            </a:r>
+            <a:r>
+              <a:rPr lang="en-US" baseline="0" dirty="0" err="1" smtClean="0"/>
+              <a:t>todo</a:t>
+            </a:r>
+            <a:r>
+              <a:rPr lang="en-US" baseline="0" dirty="0" smtClean="0"/>
+              <a:t>  and control </a:t>
+            </a:r>
+            <a:r>
+              <a:rPr lang="en-US" baseline="0" smtClean="0"/>
+              <a:t>vs rule?</a:t>
             </a:r>
             <a:endParaRPr lang="en-US" dirty="0" smtClean="0"/>
           </a:p>
@@ -3752,14 +3777,14 @@
           </a:ln>
           <a:extLst>
             <a:ext uri="{909E8E84-426E-40dd-AFC4-6F175D3DCCD1}">
-              <a14:hiddenFill xmlns="" xmlns:a14="http://schemas.microsoft.com/office/drawing/2010/main">
+              <a14:hiddenFill xmlns:a14="http://schemas.microsoft.com/office/drawing/2010/main" xmlns="">
                 <a:solidFill>
                   <a:srgbClr val="FFFFFF"/>
                 </a:solidFill>
               </a14:hiddenFill>
             </a:ext>
             <a:ext uri="{91240B29-F687-4f45-9708-019B960494DF}">
-              <a14:hiddenLine xmlns="" xmlns:a14="http://schemas.microsoft.com/office/drawing/2010/main" w="9525">
+              <a14:hiddenLine xmlns:a14="http://schemas.microsoft.com/office/drawing/2010/main" xmlns="" w="9525">
                 <a:solidFill>
                   <a:srgbClr val="000000"/>
                 </a:solidFill>
@@ -3907,14 +3932,14 @@
           </a:ln>
           <a:extLst>
             <a:ext uri="{909E8E84-426E-40dd-AFC4-6F175D3DCCD1}">
-              <a14:hiddenFill xmlns="" xmlns:a14="http://schemas.microsoft.com/office/drawing/2010/main">
+              <a14:hiddenFill xmlns:a14="http://schemas.microsoft.com/office/drawing/2010/main" xmlns="">
                 <a:solidFill>
                   <a:srgbClr val="FFFFFF"/>
                 </a:solidFill>
               </a14:hiddenFill>
             </a:ext>
             <a:ext uri="{91240B29-F687-4f45-9708-019B960494DF}">
-              <a14:hiddenLine xmlns="" xmlns:a14="http://schemas.microsoft.com/office/drawing/2010/main" w="9525">
+              <a14:hiddenLine xmlns:a14="http://schemas.microsoft.com/office/drawing/2010/main" xmlns="" w="9525">
                 <a:solidFill>
                   <a:srgbClr val="000000"/>
                 </a:solidFill>
@@ -4405,14 +4430,14 @@
           </a:ln>
           <a:extLst>
             <a:ext uri="{909E8E84-426E-40dd-AFC4-6F175D3DCCD1}">
-              <a14:hiddenFill xmlns="" xmlns:a14="http://schemas.microsoft.com/office/drawing/2010/main">
+              <a14:hiddenFill xmlns:a14="http://schemas.microsoft.com/office/drawing/2010/main" xmlns="">
                 <a:solidFill>
                   <a:srgbClr val="FFFFFF"/>
                 </a:solidFill>
               </a14:hiddenFill>
             </a:ext>
             <a:ext uri="{91240B29-F687-4f45-9708-019B960494DF}">
-              <a14:hiddenLine xmlns="" xmlns:a14="http://schemas.microsoft.com/office/drawing/2010/main" w="9525">
+              <a14:hiddenLine xmlns:a14="http://schemas.microsoft.com/office/drawing/2010/main" xmlns="" w="9525">
                 <a:solidFill>
                   <a:srgbClr val="000000"/>
                 </a:solidFill>
@@ -4651,14 +4676,14 @@
           </a:ln>
           <a:extLst>
             <a:ext uri="{909E8E84-426E-40dd-AFC4-6F175D3DCCD1}">
-              <a14:hiddenFill xmlns="" xmlns:a14="http://schemas.microsoft.com/office/drawing/2010/main">
+              <a14:hiddenFill xmlns:a14="http://schemas.microsoft.com/office/drawing/2010/main" xmlns="">
                 <a:solidFill>
                   <a:srgbClr val="FFFFFF"/>
                 </a:solidFill>
               </a14:hiddenFill>
             </a:ext>
             <a:ext uri="{91240B29-F687-4f45-9708-019B960494DF}">
-              <a14:hiddenLine xmlns="" xmlns:a14="http://schemas.microsoft.com/office/drawing/2010/main" w="9525">
+              <a14:hiddenLine xmlns:a14="http://schemas.microsoft.com/office/drawing/2010/main" xmlns="" w="9525">
                 <a:solidFill>
                   <a:srgbClr val="000000"/>
                 </a:solidFill>
@@ -6586,14 +6611,14 @@
           </a:ln>
           <a:extLst>
             <a:ext uri="{909E8E84-426E-40dd-AFC4-6F175D3DCCD1}">
-              <a14:hiddenFill xmlns="" xmlns:a14="http://schemas.microsoft.com/office/drawing/2010/main">
+              <a14:hiddenFill xmlns:a14="http://schemas.microsoft.com/office/drawing/2010/main" xmlns="">
                 <a:solidFill>
                   <a:srgbClr val="FFFFFF"/>
                 </a:solidFill>
               </a14:hiddenFill>
             </a:ext>
             <a:ext uri="{91240B29-F687-4f45-9708-019B960494DF}">
-              <a14:hiddenLine xmlns="" xmlns:a14="http://schemas.microsoft.com/office/drawing/2010/main" w="9525">
+              <a14:hiddenLine xmlns:a14="http://schemas.microsoft.com/office/drawing/2010/main" xmlns="" w="9525">
                 <a:solidFill>
                   <a:srgbClr val="000000"/>
                 </a:solidFill>
@@ -8127,14 +8152,14 @@
           </a:ln>
           <a:extLst>
             <a:ext uri="{909E8E84-426E-40dd-AFC4-6F175D3DCCD1}">
-              <a14:hiddenFill xmlns="" xmlns:a14="http://schemas.microsoft.com/office/drawing/2010/main">
+              <a14:hiddenFill xmlns:a14="http://schemas.microsoft.com/office/drawing/2010/main" xmlns="">
                 <a:solidFill>
                   <a:srgbClr val="FFFFFF"/>
                 </a:solidFill>
               </a14:hiddenFill>
             </a:ext>
             <a:ext uri="{91240B29-F687-4f45-9708-019B960494DF}">
-              <a14:hiddenLine xmlns="" xmlns:a14="http://schemas.microsoft.com/office/drawing/2010/main" w="9525">
+              <a14:hiddenLine xmlns:a14="http://schemas.microsoft.com/office/drawing/2010/main" xmlns="" w="9525">
                 <a:solidFill>
                   <a:srgbClr val="000000"/>
                 </a:solidFill>
@@ -8692,14 +8717,14 @@
           </a:ln>
           <a:extLst>
             <a:ext uri="{909E8E84-426E-40dd-AFC4-6F175D3DCCD1}">
-              <a14:hiddenFill xmlns="" xmlns:a14="http://schemas.microsoft.com/office/drawing/2010/main">
+              <a14:hiddenFill xmlns:a14="http://schemas.microsoft.com/office/drawing/2010/main" xmlns="">
                 <a:solidFill>
                   <a:srgbClr val="FFFFFF"/>
                 </a:solidFill>
               </a14:hiddenFill>
             </a:ext>
             <a:ext uri="{91240B29-F687-4f45-9708-019B960494DF}">
-              <a14:hiddenLine xmlns="" xmlns:a14="http://schemas.microsoft.com/office/drawing/2010/main" w="9525">
+              <a14:hiddenLine xmlns:a14="http://schemas.microsoft.com/office/drawing/2010/main" xmlns="" w="9525">
                 <a:solidFill>
                   <a:srgbClr val="000000"/>
                 </a:solidFill>
@@ -9266,14 +9291,14 @@
           </a:ln>
           <a:extLst>
             <a:ext uri="{909E8E84-426E-40dd-AFC4-6F175D3DCCD1}">
-              <a14:hiddenFill xmlns="" xmlns:a14="http://schemas.microsoft.com/office/drawing/2010/main">
+              <a14:hiddenFill xmlns:a14="http://schemas.microsoft.com/office/drawing/2010/main" xmlns="">
                 <a:solidFill>
                   <a:srgbClr val="FFFFFF"/>
                 </a:solidFill>
               </a14:hiddenFill>
             </a:ext>
             <a:ext uri="{91240B29-F687-4f45-9708-019B960494DF}">
-              <a14:hiddenLine xmlns="" xmlns:a14="http://schemas.microsoft.com/office/drawing/2010/main" w="9525">
+              <a14:hiddenLine xmlns:a14="http://schemas.microsoft.com/office/drawing/2010/main" xmlns="" w="9525">
                 <a:solidFill>
                   <a:srgbClr val="000000"/>
                 </a:solidFill>
@@ -10213,14 +10238,14 @@
           </a:ln>
           <a:extLst>
             <a:ext uri="{909E8E84-426E-40dd-AFC4-6F175D3DCCD1}">
-              <a14:hiddenFill xmlns="" xmlns:a14="http://schemas.microsoft.com/office/drawing/2010/main">
+              <a14:hiddenFill xmlns:a14="http://schemas.microsoft.com/office/drawing/2010/main" xmlns="">
                 <a:solidFill>
                   <a:srgbClr val="FFFFFF"/>
                 </a:solidFill>
               </a14:hiddenFill>
             </a:ext>
             <a:ext uri="{91240B29-F687-4f45-9708-019B960494DF}">
-              <a14:hiddenLine xmlns="" xmlns:a14="http://schemas.microsoft.com/office/drawing/2010/main" w="9525">
+              <a14:hiddenLine xmlns:a14="http://schemas.microsoft.com/office/drawing/2010/main" xmlns="" w="9525">
                 <a:solidFill>
                   <a:srgbClr val="000000"/>
                 </a:solidFill>
@@ -10973,14 +10998,14 @@
           </a:ln>
           <a:extLst>
             <a:ext uri="{909E8E84-426E-40dd-AFC4-6F175D3DCCD1}">
-              <a14:hiddenFill xmlns="" xmlns:a14="http://schemas.microsoft.com/office/drawing/2010/main">
+              <a14:hiddenFill xmlns:a14="http://schemas.microsoft.com/office/drawing/2010/main" xmlns="">
                 <a:solidFill>
                   <a:srgbClr val="FFFFFF"/>
                 </a:solidFill>
               </a14:hiddenFill>
             </a:ext>
             <a:ext uri="{91240B29-F687-4f45-9708-019B960494DF}">
-              <a14:hiddenLine xmlns="" xmlns:a14="http://schemas.microsoft.com/office/drawing/2010/main" w="9525">
+              <a14:hiddenLine xmlns:a14="http://schemas.microsoft.com/office/drawing/2010/main" xmlns="" w="9525">
                 <a:solidFill>
                   <a:srgbClr val="000000"/>
                 </a:solidFill>
@@ -14179,6 +14204,13 @@
   <p:transition spd="med">
     <p:fade/>
   </p:transition>
+  <p:timing>
+    <p:tnLst>
+      <p:par>
+        <p:cTn id="1" dur="indefinite" restart="never" nodeType="tmRoot"/>
+      </p:par>
+    </p:tnLst>
+  </p:timing>
 </p:sld>
 </file>
 
@@ -14373,6 +14405,13 @@
   <p:transition spd="med">
     <p:fade/>
   </p:transition>
+  <p:timing>
+    <p:tnLst>
+      <p:par>
+        <p:cTn id="1" dur="indefinite" restart="never" nodeType="tmRoot"/>
+      </p:par>
+    </p:tnLst>
+  </p:timing>
 </p:sld>
 </file>
 
@@ -17110,6 +17149,15 @@
 </file>
 
 <file path=customXml/item1.xml><?xml version="1.0" encoding="utf-8"?>
+<?mso-contentType ?>
+<FormTemplates xmlns="http://schemas.microsoft.com/sharepoint/v3/contenttype/forms">
+  <Display>DocumentLibraryForm</Display>
+  <Edit>DocumentLibraryForm</Edit>
+  <New>DocumentLibraryForm</New>
+</FormTemplates>
+</file>
+
+<file path=customXml/item2.xml><?xml version="1.0" encoding="utf-8"?>
 <ct:contentTypeSchema xmlns:ct="http://schemas.microsoft.com/office/2006/metadata/contentType" xmlns:ma="http://schemas.microsoft.com/office/2006/metadata/properties/metaAttributes" ct:_="" ma:_="" ma:contentTypeName="Document" ma:contentTypeID="0x0101000812F700BE7F874999720E88173FE491" ma:contentTypeVersion="0" ma:contentTypeDescription="Create a new document." ma:contentTypeScope="" ma:versionID="3f79f408e2ca720b7aba6e0e32464d0c">
   <xsd:schema xmlns:xsd="http://www.w3.org/2001/XMLSchema" xmlns:xs="http://www.w3.org/2001/XMLSchema" xmlns:p="http://schemas.microsoft.com/office/2006/metadata/properties" xmlns:ns2="7bb5d761-a2ea-4873-95f7-7a6658fb3ef0" targetNamespace="http://schemas.microsoft.com/office/2006/metadata/properties" ma:root="true" ma:fieldsID="1e062cd38ba31e406bfc4340fbc7f87a" ns2:_="">
     <xsd:import namespace="7bb5d761-a2ea-4873-95f7-7a6658fb3ef0"/>
@@ -17254,16 +17302,19 @@
 </ct:contentTypeSchema>
 </file>
 
-<file path=customXml/item2.xml><?xml version="1.0" encoding="utf-8"?>
-<?mso-contentType ?>
-<FormTemplates xmlns="http://schemas.microsoft.com/sharepoint/v3/contenttype/forms">
-  <Display>DocumentLibraryForm</Display>
-  <Edit>DocumentLibraryForm</Edit>
-  <New>DocumentLibraryForm</New>
-</FormTemplates>
+<file path=customXml/item3.xml><?xml version="1.0" encoding="utf-8"?>
+<p:properties xmlns:p="http://schemas.microsoft.com/office/2006/metadata/properties" xmlns:xsi="http://www.w3.org/2001/XMLSchema-instance" xmlns:pc="http://schemas.microsoft.com/office/infopath/2007/PartnerControls">
+  <documentManagement>
+    <_dlc_DocId xmlns="7bb5d761-a2ea-4873-95f7-7a6658fb3ef0">M4CWTKMW727E-592-73</_dlc_DocId>
+    <_dlc_DocIdUrl xmlns="7bb5d761-a2ea-4873-95f7-7a6658fb3ef0">
+      <Url>https://kms.vci.local/marketing/team/_layouts/DocIdRedir.aspx?ID=M4CWTKMW727E-592-73</Url>
+      <Description>M4CWTKMW727E-592-73</Description>
+    </_dlc_DocIdUrl>
+  </documentManagement>
+</p:properties>
 </file>
 
-<file path=customXml/item3.xml><?xml version="1.0" encoding="utf-8"?>
+<file path=customXml/item4.xml><?xml version="1.0" encoding="utf-8"?>
 <?mso-contentType ?>
 <spe:Receivers xmlns:spe="http://schemas.microsoft.com/sharepoint/events">
   <Receiver>
@@ -17309,19 +17360,15 @@
 </spe:Receivers>
 </file>
 
-<file path=customXml/item4.xml><?xml version="1.0" encoding="utf-8"?>
-<p:properties xmlns:p="http://schemas.microsoft.com/office/2006/metadata/properties" xmlns:xsi="http://www.w3.org/2001/XMLSchema-instance" xmlns:pc="http://schemas.microsoft.com/office/infopath/2007/PartnerControls">
-  <documentManagement>
-    <_dlc_DocId xmlns="7bb5d761-a2ea-4873-95f7-7a6658fb3ef0">M4CWTKMW727E-592-73</_dlc_DocId>
-    <_dlc_DocIdUrl xmlns="7bb5d761-a2ea-4873-95f7-7a6658fb3ef0">
-      <Url>https://kms.vci.local/marketing/team/_layouts/DocIdRedir.aspx?ID=M4CWTKMW727E-592-73</Url>
-      <Description>M4CWTKMW727E-592-73</Description>
-    </_dlc_DocIdUrl>
-  </documentManagement>
-</p:properties>
+<file path=customXml/itemProps1.xml><?xml version="1.0" encoding="utf-8"?>
+<ds:datastoreItem xmlns:ds="http://schemas.openxmlformats.org/officeDocument/2006/customXml" ds:itemID="{5CDEB364-43EC-4510-9881-539C2A3FCE9E}">
+  <ds:schemaRefs>
+    <ds:schemaRef ds:uri="http://schemas.microsoft.com/sharepoint/v3/contenttype/forms"/>
+  </ds:schemaRefs>
+</ds:datastoreItem>
 </file>
 
-<file path=customXml/itemProps1.xml><?xml version="1.0" encoding="utf-8"?>
+<file path=customXml/itemProps2.xml><?xml version="1.0" encoding="utf-8"?>
 <ds:datastoreItem xmlns:ds="http://schemas.openxmlformats.org/officeDocument/2006/customXml" ds:itemID="{164479E5-0B02-49AC-B79E-EC1D6164DDD3}">
   <ds:schemaRefs>
     <ds:schemaRef ds:uri="http://schemas.microsoft.com/office/2006/metadata/contentType"/>
@@ -17339,23 +17386,7 @@
 </ds:datastoreItem>
 </file>
 
-<file path=customXml/itemProps2.xml><?xml version="1.0" encoding="utf-8"?>
-<ds:datastoreItem xmlns:ds="http://schemas.openxmlformats.org/officeDocument/2006/customXml" ds:itemID="{5CDEB364-43EC-4510-9881-539C2A3FCE9E}">
-  <ds:schemaRefs>
-    <ds:schemaRef ds:uri="http://schemas.microsoft.com/sharepoint/v3/contenttype/forms"/>
-  </ds:schemaRefs>
-</ds:datastoreItem>
-</file>
-
 <file path=customXml/itemProps3.xml><?xml version="1.0" encoding="utf-8"?>
-<ds:datastoreItem xmlns:ds="http://schemas.openxmlformats.org/officeDocument/2006/customXml" ds:itemID="{B13EBC30-FE27-4C6A-B723-23FC2188F7DC}">
-  <ds:schemaRefs>
-    <ds:schemaRef ds:uri="http://schemas.microsoft.com/sharepoint/events"/>
-  </ds:schemaRefs>
-</ds:datastoreItem>
-</file>
-
-<file path=customXml/itemProps4.xml><?xml version="1.0" encoding="utf-8"?>
 <ds:datastoreItem xmlns:ds="http://schemas.openxmlformats.org/officeDocument/2006/customXml" ds:itemID="{6921749B-AEB7-461B-845F-603CABD25259}">
   <ds:schemaRefs>
     <ds:schemaRef ds:uri="http://purl.org/dc/dcmitype/"/>
@@ -17369,4 +17400,12 @@
     <ds:schemaRef ds:uri="http://www.w3.org/XML/1998/namespace"/>
   </ds:schemaRefs>
 </ds:datastoreItem>
+</file>
+
+<file path=customXml/itemProps4.xml><?xml version="1.0" encoding="utf-8"?>
+<ds:datastoreItem xmlns:ds="http://schemas.openxmlformats.org/officeDocument/2006/customXml" ds:itemID="{B13EBC30-FE27-4C6A-B723-23FC2188F7DC}">
+  <ds:schemaRefs>
+    <ds:schemaRef ds:uri="http://schemas.microsoft.com/sharepoint/events"/>
+  </ds:schemaRefs>
+</ds:datastoreItem>
 </file>
--- a/04-initial-configuration-scans-win.pptx
+++ b/04-initial-configuration-scans-win.pptx
@@ -294,7 +294,7 @@
               <a:pPr>
                 <a:defRPr/>
               </a:pPr>
-              <a:t>2016-02-02</a:t>
+              <a:t>2016-02-05</a:t>
             </a:fld>
             <a:endParaRPr lang="en-US" dirty="0"/>
           </a:p>
@@ -477,7 +477,7 @@
               <a:pPr>
                 <a:defRPr/>
               </a:pPr>
-              <a:t>2016-02-02</a:t>
+              <a:t>2016-02-05</a:t>
             </a:fld>
             <a:endParaRPr lang="en-US" dirty="0"/>
           </a:p>
@@ -922,14 +922,6 @@
           <a:bodyPr/>
           <a:lstStyle/>
           <a:p>
-            <a:r>
-              <a:rPr lang="en-US" dirty="0" smtClean="0"/>
-              <a:t>Instructor Note: In this section we'll cover scanning</a:t>
-            </a:r>
-            <a:r>
-              <a:rPr lang="en-US" baseline="0" dirty="0" smtClean="0"/>
-              <a:t> a Windows node. However we will not repeat the remediation process since this course is focusing on Chef Compliance, not how to write Chef recipes.</a:t>
-            </a:r>
             <a:endParaRPr lang="en-US" dirty="0"/>
           </a:p>
         </p:txBody>
@@ -1501,15 +1493,6 @@
           <a:p>
             <a:r>
               <a:rPr lang="en-US" dirty="0" smtClean="0"/>
-              <a:t>There are also 6 critical issues related to ssh on the target node.</a:t>
-            </a:r>
-          </a:p>
-          <a:p>
-            <a:endParaRPr lang="en-US" dirty="0" smtClean="0"/>
-          </a:p>
-          <a:p>
-            <a:r>
-              <a:rPr lang="en-US" dirty="0" smtClean="0"/>
               <a:t>Instructor Note: This</a:t>
             </a:r>
             <a:r>
@@ -1839,11 +1822,7 @@
             </a:r>
             <a:r>
               <a:rPr lang="en-US" baseline="0" dirty="0" smtClean="0"/>
-              <a:t> should stop as needed to explain what this code means</a:t>
-            </a:r>
-            <a:r>
-              <a:rPr lang="en-US" baseline="0" dirty="0" smtClean="0"/>
-              <a:t>.</a:t>
+              <a:t> should stop as needed to explain what this code means.</a:t>
             </a:r>
           </a:p>
           <a:p>
@@ -14521,6 +14500,13 @@
   <p:transition spd="med">
     <p:fade/>
   </p:transition>
+  <p:timing>
+    <p:tnLst>
+      <p:par>
+        <p:cTn id="1" dur="indefinite" restart="never" nodeType="tmRoot"/>
+      </p:par>
+    </p:tnLst>
+  </p:timing>
 </p:sld>
 </file>
 
@@ -17150,6 +17136,52 @@
 
 <file path=customXml/item1.xml><?xml version="1.0" encoding="utf-8"?>
 <?mso-contentType ?>
+<spe:Receivers xmlns:spe="http://schemas.microsoft.com/sharepoint/events">
+  <Receiver>
+    <Name>Document ID Generator</Name>
+    <Synchronization>Synchronous</Synchronization>
+    <Type>10001</Type>
+    <SequenceNumber>1000</SequenceNumber>
+    <Assembly>Microsoft.Office.DocumentManagement, Version=14.0.0.0, Culture=neutral, PublicKeyToken=71e9bce111e9429c</Assembly>
+    <Class>Microsoft.Office.DocumentManagement.Internal.DocIdHandler</Class>
+    <Data/>
+    <Filter/>
+  </Receiver>
+  <Receiver>
+    <Name>Document ID Generator</Name>
+    <Synchronization>Synchronous</Synchronization>
+    <Type>10002</Type>
+    <SequenceNumber>1001</SequenceNumber>
+    <Assembly>Microsoft.Office.DocumentManagement, Version=14.0.0.0, Culture=neutral, PublicKeyToken=71e9bce111e9429c</Assembly>
+    <Class>Microsoft.Office.DocumentManagement.Internal.DocIdHandler</Class>
+    <Data/>
+    <Filter/>
+  </Receiver>
+  <Receiver>
+    <Name>Document ID Generator</Name>
+    <Synchronization>Synchronous</Synchronization>
+    <Type>10004</Type>
+    <SequenceNumber>1002</SequenceNumber>
+    <Assembly>Microsoft.Office.DocumentManagement, Version=14.0.0.0, Culture=neutral, PublicKeyToken=71e9bce111e9429c</Assembly>
+    <Class>Microsoft.Office.DocumentManagement.Internal.DocIdHandler</Class>
+    <Data/>
+    <Filter/>
+  </Receiver>
+  <Receiver>
+    <Name>Document ID Generator</Name>
+    <Synchronization>Synchronous</Synchronization>
+    <Type>10006</Type>
+    <SequenceNumber>1003</SequenceNumber>
+    <Assembly>Microsoft.Office.DocumentManagement, Version=14.0.0.0, Culture=neutral, PublicKeyToken=71e9bce111e9429c</Assembly>
+    <Class>Microsoft.Office.DocumentManagement.Internal.DocIdHandler</Class>
+    <Data/>
+    <Filter/>
+  </Receiver>
+</spe:Receivers>
+</file>
+
+<file path=customXml/item2.xml><?xml version="1.0" encoding="utf-8"?>
+<?mso-contentType ?>
 <FormTemplates xmlns="http://schemas.microsoft.com/sharepoint/v3/contenttype/forms">
   <Display>DocumentLibraryForm</Display>
   <Edit>DocumentLibraryForm</Edit>
@@ -17157,7 +17189,7 @@
 </FormTemplates>
 </file>
 
-<file path=customXml/item2.xml><?xml version="1.0" encoding="utf-8"?>
+<file path=customXml/item3.xml><?xml version="1.0" encoding="utf-8"?>
 <ct:contentTypeSchema xmlns:ct="http://schemas.microsoft.com/office/2006/metadata/contentType" xmlns:ma="http://schemas.microsoft.com/office/2006/metadata/properties/metaAttributes" ct:_="" ma:_="" ma:contentTypeName="Document" ma:contentTypeID="0x0101000812F700BE7F874999720E88173FE491" ma:contentTypeVersion="0" ma:contentTypeDescription="Create a new document." ma:contentTypeScope="" ma:versionID="3f79f408e2ca720b7aba6e0e32464d0c">
   <xsd:schema xmlns:xsd="http://www.w3.org/2001/XMLSchema" xmlns:xs="http://www.w3.org/2001/XMLSchema" xmlns:p="http://schemas.microsoft.com/office/2006/metadata/properties" xmlns:ns2="7bb5d761-a2ea-4873-95f7-7a6658fb3ef0" targetNamespace="http://schemas.microsoft.com/office/2006/metadata/properties" ma:root="true" ma:fieldsID="1e062cd38ba31e406bfc4340fbc7f87a" ns2:_="">
     <xsd:import namespace="7bb5d761-a2ea-4873-95f7-7a6658fb3ef0"/>
@@ -17302,7 +17334,7 @@
 </ct:contentTypeSchema>
 </file>
 
-<file path=customXml/item3.xml><?xml version="1.0" encoding="utf-8"?>
+<file path=customXml/item4.xml><?xml version="1.0" encoding="utf-8"?>
 <p:properties xmlns:p="http://schemas.microsoft.com/office/2006/metadata/properties" xmlns:xsi="http://www.w3.org/2001/XMLSchema-instance" xmlns:pc="http://schemas.microsoft.com/office/infopath/2007/PartnerControls">
   <documentManagement>
     <_dlc_DocId xmlns="7bb5d761-a2ea-4873-95f7-7a6658fb3ef0">M4CWTKMW727E-592-73</_dlc_DocId>
@@ -17314,53 +17346,15 @@
 </p:properties>
 </file>
 
-<file path=customXml/item4.xml><?xml version="1.0" encoding="utf-8"?>
-<?mso-contentType ?>
-<spe:Receivers xmlns:spe="http://schemas.microsoft.com/sharepoint/events">
-  <Receiver>
-    <Name>Document ID Generator</Name>
-    <Synchronization>Synchronous</Synchronization>
-    <Type>10001</Type>
-    <SequenceNumber>1000</SequenceNumber>
-    <Assembly>Microsoft.Office.DocumentManagement, Version=14.0.0.0, Culture=neutral, PublicKeyToken=71e9bce111e9429c</Assembly>
-    <Class>Microsoft.Office.DocumentManagement.Internal.DocIdHandler</Class>
-    <Data/>
-    <Filter/>
-  </Receiver>
-  <Receiver>
-    <Name>Document ID Generator</Name>
-    <Synchronization>Synchronous</Synchronization>
-    <Type>10002</Type>
-    <SequenceNumber>1001</SequenceNumber>
-    <Assembly>Microsoft.Office.DocumentManagement, Version=14.0.0.0, Culture=neutral, PublicKeyToken=71e9bce111e9429c</Assembly>
-    <Class>Microsoft.Office.DocumentManagement.Internal.DocIdHandler</Class>
-    <Data/>
-    <Filter/>
-  </Receiver>
-  <Receiver>
-    <Name>Document ID Generator</Name>
-    <Synchronization>Synchronous</Synchronization>
-    <Type>10004</Type>
-    <SequenceNumber>1002</SequenceNumber>
-    <Assembly>Microsoft.Office.DocumentManagement, Version=14.0.0.0, Culture=neutral, PublicKeyToken=71e9bce111e9429c</Assembly>
-    <Class>Microsoft.Office.DocumentManagement.Internal.DocIdHandler</Class>
-    <Data/>
-    <Filter/>
-  </Receiver>
-  <Receiver>
-    <Name>Document ID Generator</Name>
-    <Synchronization>Synchronous</Synchronization>
-    <Type>10006</Type>
-    <SequenceNumber>1003</SequenceNumber>
-    <Assembly>Microsoft.Office.DocumentManagement, Version=14.0.0.0, Culture=neutral, PublicKeyToken=71e9bce111e9429c</Assembly>
-    <Class>Microsoft.Office.DocumentManagement.Internal.DocIdHandler</Class>
-    <Data/>
-    <Filter/>
-  </Receiver>
-</spe:Receivers>
+<file path=customXml/itemProps1.xml><?xml version="1.0" encoding="utf-8"?>
+<ds:datastoreItem xmlns:ds="http://schemas.openxmlformats.org/officeDocument/2006/customXml" ds:itemID="{B13EBC30-FE27-4C6A-B723-23FC2188F7DC}">
+  <ds:schemaRefs>
+    <ds:schemaRef ds:uri="http://schemas.microsoft.com/sharepoint/events"/>
+  </ds:schemaRefs>
+</ds:datastoreItem>
 </file>
 
-<file path=customXml/itemProps1.xml><?xml version="1.0" encoding="utf-8"?>
+<file path=customXml/itemProps2.xml><?xml version="1.0" encoding="utf-8"?>
 <ds:datastoreItem xmlns:ds="http://schemas.openxmlformats.org/officeDocument/2006/customXml" ds:itemID="{5CDEB364-43EC-4510-9881-539C2A3FCE9E}">
   <ds:schemaRefs>
     <ds:schemaRef ds:uri="http://schemas.microsoft.com/sharepoint/v3/contenttype/forms"/>
@@ -17368,7 +17362,7 @@
 </ds:datastoreItem>
 </file>
 
-<file path=customXml/itemProps2.xml><?xml version="1.0" encoding="utf-8"?>
+<file path=customXml/itemProps3.xml><?xml version="1.0" encoding="utf-8"?>
 <ds:datastoreItem xmlns:ds="http://schemas.openxmlformats.org/officeDocument/2006/customXml" ds:itemID="{164479E5-0B02-49AC-B79E-EC1D6164DDD3}">
   <ds:schemaRefs>
     <ds:schemaRef ds:uri="http://schemas.microsoft.com/office/2006/metadata/contentType"/>
@@ -17386,7 +17380,7 @@
 </ds:datastoreItem>
 </file>
 
-<file path=customXml/itemProps3.xml><?xml version="1.0" encoding="utf-8"?>
+<file path=customXml/itemProps4.xml><?xml version="1.0" encoding="utf-8"?>
 <ds:datastoreItem xmlns:ds="http://schemas.openxmlformats.org/officeDocument/2006/customXml" ds:itemID="{6921749B-AEB7-461B-845F-603CABD25259}">
   <ds:schemaRefs>
     <ds:schemaRef ds:uri="http://purl.org/dc/dcmitype/"/>
@@ -17400,12 +17394,4 @@
     <ds:schemaRef ds:uri="http://www.w3.org/XML/1998/namespace"/>
   </ds:schemaRefs>
 </ds:datastoreItem>
-</file>
-
-<file path=customXml/itemProps4.xml><?xml version="1.0" encoding="utf-8"?>
-<ds:datastoreItem xmlns:ds="http://schemas.openxmlformats.org/officeDocument/2006/customXml" ds:itemID="{B13EBC30-FE27-4C6A-B723-23FC2188F7DC}">
-  <ds:schemaRefs>
-    <ds:schemaRef ds:uri="http://schemas.microsoft.com/sharepoint/events"/>
-  </ds:schemaRefs>
-</ds:datastoreItem>
 </file>